--- a/Triple circuit lines presentation (widescreen).pptx
+++ b/Triple circuit lines presentation (widescreen).pptx
@@ -4168,7 +4168,7 @@
           <a:p>
             <a:fld id="{FE5B4EDC-59C0-49C7-8ADA-5A781B329E02}" type="datetimeFigureOut">
               <a:rPr lang="en-US"/>
-              <a:t>12/15/2024</a:t>
+              <a:t>12/16/2024</a:t>
             </a:fld>
             <a:endParaRPr/>
           </a:p>
@@ -4333,7 +4333,7 @@
           <a:p>
             <a:fld id="{F2D8D46A-B586-417D-BFBD-8C8FE0AAF762}" type="datetimeFigureOut">
               <a:rPr lang="en-US"/>
-              <a:t>12/15/2024</a:t>
+              <a:t>12/16/2024</a:t>
             </a:fld>
             <a:endParaRPr/>
           </a:p>
@@ -5435,7 +5435,7 @@
           <a:p>
             <a:fld id="{F0DFD029-FB74-4578-B929-F66AA97659CA}" type="datetimeFigureOut">
               <a:rPr lang="en-US"/>
-              <a:t>12/15/2024</a:t>
+              <a:t>12/16/2024</a:t>
             </a:fld>
             <a:endParaRPr/>
           </a:p>
@@ -5633,7 +5633,7 @@
           <a:p>
             <a:fld id="{F0DFD029-FB74-4578-B929-F66AA97659CA}" type="datetimeFigureOut">
               <a:rPr lang="en-US"/>
-              <a:t>12/15/2024</a:t>
+              <a:t>12/16/2024</a:t>
             </a:fld>
             <a:endParaRPr/>
           </a:p>
@@ -5841,7 +5841,7 @@
           <a:p>
             <a:fld id="{F0DFD029-FB74-4578-B929-F66AA97659CA}" type="datetimeFigureOut">
               <a:rPr lang="en-US"/>
-              <a:t>12/15/2024</a:t>
+              <a:t>12/16/2024</a:t>
             </a:fld>
             <a:endParaRPr/>
           </a:p>
@@ -6039,7 +6039,7 @@
           <a:p>
             <a:fld id="{F0DFD029-FB74-4578-B929-F66AA97659CA}" type="datetimeFigureOut">
               <a:rPr lang="en-US"/>
-              <a:t>12/15/2024</a:t>
+              <a:t>12/16/2024</a:t>
             </a:fld>
             <a:endParaRPr/>
           </a:p>
@@ -6471,7 +6471,7 @@
           <a:p>
             <a:fld id="{F0DFD029-FB74-4578-B929-F66AA97659CA}" type="datetimeFigureOut">
               <a:rPr lang="en-US"/>
-              <a:t>12/15/2024</a:t>
+              <a:t>12/16/2024</a:t>
             </a:fld>
             <a:endParaRPr/>
           </a:p>
@@ -6775,7 +6775,7 @@
           <a:p>
             <a:fld id="{F0DFD029-FB74-4578-B929-F66AA97659CA}" type="datetimeFigureOut">
               <a:rPr lang="en-US"/>
-              <a:t>12/15/2024</a:t>
+              <a:t>12/16/2024</a:t>
             </a:fld>
             <a:endParaRPr/>
           </a:p>
@@ -7231,7 +7231,7 @@
           <a:p>
             <a:fld id="{F0DFD029-FB74-4578-B929-F66AA97659CA}" type="datetimeFigureOut">
               <a:rPr lang="en-US"/>
-              <a:t>12/15/2024</a:t>
+              <a:t>12/16/2024</a:t>
             </a:fld>
             <a:endParaRPr/>
           </a:p>
@@ -7361,7 +7361,7 @@
           <a:p>
             <a:fld id="{F0DFD029-FB74-4578-B929-F66AA97659CA}" type="datetimeFigureOut">
               <a:rPr lang="en-US"/>
-              <a:t>12/15/2024</a:t>
+              <a:t>12/16/2024</a:t>
             </a:fld>
             <a:endParaRPr/>
           </a:p>
@@ -7468,7 +7468,7 @@
           <a:p>
             <a:fld id="{F0DFD029-FB74-4578-B929-F66AA97659CA}" type="datetimeFigureOut">
               <a:rPr lang="en-US"/>
-              <a:t>12/15/2024</a:t>
+              <a:t>12/16/2024</a:t>
             </a:fld>
             <a:endParaRPr/>
           </a:p>
@@ -7767,7 +7767,7 @@
           <a:p>
             <a:fld id="{F0DFD029-FB74-4578-B929-F66AA97659CA}" type="datetimeFigureOut">
               <a:rPr lang="en-US"/>
-              <a:t>12/15/2024</a:t>
+              <a:t>12/16/2024</a:t>
             </a:fld>
             <a:endParaRPr/>
           </a:p>
@@ -8055,7 +8055,7 @@
           <a:p>
             <a:fld id="{F0DFD029-FB74-4578-B929-F66AA97659CA}" type="datetimeFigureOut">
               <a:rPr lang="en-US"/>
-              <a:t>12/15/2024</a:t>
+              <a:t>12/16/2024</a:t>
             </a:fld>
             <a:endParaRPr/>
           </a:p>
@@ -8678,7 +8678,7 @@
             <a:fld id="{F0DFD029-FB74-4578-B929-F66AA97659CA}" type="datetimeFigureOut">
               <a:rPr lang="en-US"/>
               <a:pPr/>
-              <a:t>12/15/2024</a:t>
+              <a:t>12/16/2024</a:t>
             </a:fld>
             <a:endParaRPr/>
           </a:p>
@@ -10205,13 +10205,13 @@
   <p:clrMapOvr>
     <a:masterClrMapping/>
   </p:clrMapOvr>
-  <mc:AlternateContent xmlns:mc="http://schemas.openxmlformats.org/markup-compatibility/2006" xmlns:p14="http://schemas.microsoft.com/office/powerpoint/2010/main">
-    <mc:Choice Requires="p14">
-      <p:transition spd="slow" p14:dur="1200">
-        <p14:prism/>
+  <mc:AlternateContent xmlns:mc="http://schemas.openxmlformats.org/markup-compatibility/2006">
+    <mc:Choice xmlns:p14="http://schemas.microsoft.com/office/powerpoint/2010/main" Requires="p14">
+      <p:transition spd="slow" p14:dur="1600">
+        <p14:prism isInverted="1"/>
       </p:transition>
     </mc:Choice>
-    <mc:Fallback xmlns="">
+    <mc:Fallback>
       <p:transition spd="slow">
         <p:fade/>
       </p:transition>
@@ -10705,13 +10705,13 @@
   <p:clrMapOvr>
     <a:masterClrMapping/>
   </p:clrMapOvr>
-  <mc:AlternateContent xmlns:mc="http://schemas.openxmlformats.org/markup-compatibility/2006" xmlns:p15="http://schemas.microsoft.com/office/powerpoint/2012/main">
-    <mc:Choice Requires="p15">
+  <mc:AlternateContent xmlns:mc="http://schemas.openxmlformats.org/markup-compatibility/2006">
+    <mc:Choice xmlns:p15="http://schemas.microsoft.com/office/powerpoint/2012/main" Requires="p15">
       <p:transition xmlns:p14="http://schemas.microsoft.com/office/powerpoint/2010/main" spd="slow" p14:dur="2000">
-        <p15:prstTrans prst="prestige"/>
+        <p15:prstTrans prst="wind"/>
       </p:transition>
     </mc:Choice>
-    <mc:Fallback xmlns="">
+    <mc:Fallback>
       <p:transition spd="slow">
         <p:fade/>
       </p:transition>
@@ -10928,13 +10928,13 @@
   <p:clrMapOvr>
     <a:masterClrMapping/>
   </p:clrMapOvr>
-  <mc:AlternateContent xmlns:mc="http://schemas.openxmlformats.org/markup-compatibility/2006">
-    <mc:Choice xmlns:p14="http://schemas.microsoft.com/office/powerpoint/2010/main" Requires="p14">
+  <mc:AlternateContent xmlns:mc="http://schemas.openxmlformats.org/markup-compatibility/2006" xmlns:p14="http://schemas.microsoft.com/office/powerpoint/2010/main">
+    <mc:Choice Requires="p14">
       <p:transition spd="slow" p14:dur="1250">
         <p14:flip dir="r"/>
       </p:transition>
     </mc:Choice>
-    <mc:Fallback>
+    <mc:Fallback xmlns="">
       <p:transition spd="slow">
         <p:fade/>
       </p:transition>
@@ -13523,7 +13523,7 @@
           <a:p>
             <a:pPr algn="r"/>
             <a:r>
-              <a:rPr lang="ur-PK" sz="2000" dirty="0">
+              <a:rPr lang="fa-IR" sz="2000" dirty="0">
                 <a:solidFill>
                   <a:schemeClr val="accent1">
                     <a:lumMod val="60000"/>
@@ -13531,30 +13531,11 @@
                   </a:schemeClr>
                 </a:solidFill>
               </a:rPr>
-              <a:t>در دهه ۱۹۸۰ میلادی، گیدو فان روسوم در </a:t>
+              <a:t>در دهه 1980 میلادی ، خیدو فان روسوم در مرکز تحقیقات ملی ریاضیات و کامپوتر در هلند مشغول به کار بود. او با زبان های برنامه نویسی مختلفی مانند ای بی سی ، که در آن زمان برای تدریس </a:t>
             </a:r>
-            <a:r>
-              <a:rPr lang="ur-PK" sz="2000" b="1" dirty="0">
-                <a:solidFill>
-                  <a:schemeClr val="accent1">
-                    <a:lumMod val="60000"/>
-                    <a:lumOff val="40000"/>
-                  </a:schemeClr>
-                </a:solidFill>
-              </a:rPr>
-              <a:t>مرکز تحقیقات ملی ریاضیات و کامپیوتر</a:t>
-            </a:r>
-            <a:r>
-              <a:rPr lang="ur-PK" sz="2000" dirty="0">
-                <a:solidFill>
-                  <a:schemeClr val="accent1">
-                    <a:lumMod val="60000"/>
-                    <a:lumOff val="40000"/>
-                  </a:schemeClr>
-                </a:solidFill>
-              </a:rPr>
-              <a:t> در هلند </a:t>
-            </a:r>
+          </a:p>
+          <a:p>
+            <a:pPr algn="r"/>
             <a:r>
               <a:rPr lang="fa-IR" sz="2000" dirty="0">
                 <a:solidFill>
@@ -13564,132 +13545,11 @@
                   </a:schemeClr>
                 </a:solidFill>
               </a:rPr>
-              <a:t> </a:t>
+              <a:t>برنامه نویسی به دانش آموزان شده بود ، آشنا شد. زبان ای بی سی به دلیل سادگی و قدرت در برنامه نویسی ابتدایی شناخته می شد ، اما محدودیت هایی داشت که گیدو از انها آگاه شد.</a:t>
             </a:r>
-            <a:r>
-              <a:rPr lang="ur-PK" sz="2000" dirty="0">
-                <a:solidFill>
-                  <a:schemeClr val="accent1">
-                    <a:lumMod val="60000"/>
-                    <a:lumOff val="40000"/>
-                  </a:schemeClr>
-                </a:solidFill>
-              </a:rPr>
-              <a:t>مشغول به کار بود. او با زبان‌های برنامه‌نویسی مختلفی مانند </a:t>
-            </a:r>
-            <a:r>
-              <a:rPr lang="en-US" sz="2000" b="1" dirty="0">
-                <a:solidFill>
-                  <a:schemeClr val="accent1">
-                    <a:lumMod val="60000"/>
-                    <a:lumOff val="40000"/>
-                  </a:schemeClr>
-                </a:solidFill>
-              </a:rPr>
-              <a:t>ABC</a:t>
-            </a:r>
-            <a:r>
-              <a:rPr lang="en-US" sz="2000" dirty="0">
-                <a:solidFill>
-                  <a:schemeClr val="accent1">
-                    <a:lumMod val="60000"/>
-                    <a:lumOff val="40000"/>
-                  </a:schemeClr>
-                </a:solidFill>
-              </a:rPr>
-              <a:t>، </a:t>
-            </a:r>
-            <a:r>
-              <a:rPr lang="ur-PK" sz="2000" dirty="0">
-                <a:solidFill>
-                  <a:schemeClr val="accent1">
-                    <a:lumMod val="60000"/>
-                    <a:lumOff val="40000"/>
-                  </a:schemeClr>
-                </a:solidFill>
-              </a:rPr>
-              <a:t>که در آن زمان برای تدریس برنامه‌نویسی به دانش‌آموزان طراحی شده بود، آشنا شد. زبان </a:t>
-            </a:r>
-            <a:r>
-              <a:rPr lang="en-US" sz="2000" dirty="0">
-                <a:solidFill>
-                  <a:schemeClr val="accent1">
-                    <a:lumMod val="60000"/>
-                    <a:lumOff val="40000"/>
-                  </a:schemeClr>
-                </a:solidFill>
-              </a:rPr>
-              <a:t>ABC </a:t>
-            </a:r>
-            <a:r>
-              <a:rPr lang="ur-PK" sz="2000" dirty="0">
-                <a:solidFill>
-                  <a:schemeClr val="accent1">
-                    <a:lumMod val="60000"/>
-                    <a:lumOff val="40000"/>
-                  </a:schemeClr>
-                </a:solidFill>
-              </a:rPr>
-              <a:t>به دلیل سادگی و قدرت در برنامه‌نویسی ابتدایی شناخته می‌شد، اما محدودیت‌هایی داشت که گیدو از آن‌ها آگاه شد.</a:t>
-            </a:r>
           </a:p>
           <a:p>
             <a:pPr algn="r"/>
-            <a:r>
-              <a:rPr lang="ur-PK" sz="2000" dirty="0">
-                <a:solidFill>
-                  <a:schemeClr val="accent1">
-                    <a:lumMod val="60000"/>
-                    <a:lumOff val="40000"/>
-                  </a:schemeClr>
-                </a:solidFill>
-              </a:rPr>
-              <a:t>او تصمیم گرفت تا زبانی طراحی کند که ویژگی‌های مثبت زبان </a:t>
-            </a:r>
-            <a:r>
-              <a:rPr lang="en-US" sz="2000" dirty="0">
-                <a:solidFill>
-                  <a:schemeClr val="accent1">
-                    <a:lumMod val="60000"/>
-                    <a:lumOff val="40000"/>
-                  </a:schemeClr>
-                </a:solidFill>
-              </a:rPr>
-              <a:t>ABC </a:t>
-            </a:r>
-            <a:r>
-              <a:rPr lang="ur-PK" sz="2000" dirty="0">
-                <a:solidFill>
-                  <a:schemeClr val="accent1">
-                    <a:lumMod val="60000"/>
-                    <a:lumOff val="40000"/>
-                  </a:schemeClr>
-                </a:solidFill>
-              </a:rPr>
-              <a:t>را حفظ کرده و در عین حال از امکانات بیشتری برخوردار باشد. به همین دلیل، پایتون در سال ۱۹۸۹ به عنوان یک پروژه شخصی توسط گیدو آغاز شد و نسخه اولیه آن در </a:t>
-            </a:r>
-            <a:r>
-              <a:rPr lang="ur-PK" sz="2000" b="1" dirty="0">
-                <a:solidFill>
-                  <a:schemeClr val="accent1">
-                    <a:lumMod val="60000"/>
-                    <a:lumOff val="40000"/>
-                  </a:schemeClr>
-                </a:solidFill>
-              </a:rPr>
-              <a:t>دسامبر ۱۹۸۹</a:t>
-            </a:r>
-            <a:r>
-              <a:rPr lang="ur-PK" sz="2000" dirty="0">
-                <a:solidFill>
-                  <a:schemeClr val="accent1">
-                    <a:lumMod val="60000"/>
-                    <a:lumOff val="40000"/>
-                  </a:schemeClr>
-                </a:solidFill>
-              </a:rPr>
-              <a:t> منتشر شد.</a:t>
-            </a:r>
             <a:r>
               <a:rPr lang="fa-IR" sz="2000" dirty="0">
                 <a:solidFill>
@@ -13699,7 +13559,21 @@
                   </a:schemeClr>
                 </a:solidFill>
               </a:rPr>
-              <a:t>در ضمن طرح لوگوی این زبان را برادر اقای فان روسوم که طراح است انجام داد</a:t>
+              <a:t>او تصمیم گرفت تا زبانی اختراع کند که ویژگی های مثبت  ای بی سی را حفظ کرده و در عین حال از امکانات بیشتری برخوردار باشد. به همین دلیل پایتون در سال 1989 به عنوان یک پروژه ی شخصی </a:t>
+            </a:r>
+          </a:p>
+          <a:p>
+            <a:pPr algn="r"/>
+            <a:r>
+              <a:rPr lang="fa-IR" sz="2000" dirty="0">
+                <a:solidFill>
+                  <a:schemeClr val="accent1">
+                    <a:lumMod val="60000"/>
+                    <a:lumOff val="40000"/>
+                  </a:schemeClr>
+                </a:solidFill>
+              </a:rPr>
+              <a:t>توسط گیدو آغاز شد و نسخه اولیه آن در دسامبر 1989 منتشر شد. در ضمن طرح لوگوی این زبان را برادر آقای فان روسوم که طراح است انجام داد.</a:t>
             </a:r>
             <a:endParaRPr lang="ur-PK" sz="2000" dirty="0">
               <a:solidFill>
@@ -18323,12 +18197,139 @@
 </file>
 
 <file path=customXml/item1.xml><?xml version="1.0" encoding="utf-8"?>
-<?mso-contentType ?>
-<FormTemplates xmlns="http://schemas.microsoft.com/sharepoint/v3/contenttype/forms">
-  <Display>DocumentLibraryForm</Display>
-  <Edit>AssetEditForm</Edit>
-  <New>DocumentLibraryForm</New>
-</FormTemplates>
+<p:properties xmlns:p="http://schemas.microsoft.com/office/2006/metadata/properties" xmlns:xsi="http://www.w3.org/2001/XMLSchema-instance" xmlns:pc="http://schemas.microsoft.com/office/infopath/2007/PartnerControls">
+  <documentManagement>
+    <LocPublishedLinkedAssetsLookup xmlns="4873beb7-5857-4685-be1f-d57550cc96cc" xsi:nil="true"/>
+    <ApprovalStatus xmlns="4873beb7-5857-4685-be1f-d57550cc96cc">InProgress</ApprovalStatus>
+    <MarketSpecific xmlns="4873beb7-5857-4685-be1f-d57550cc96cc">false</MarketSpecific>
+    <LocComments xmlns="4873beb7-5857-4685-be1f-d57550cc96cc" xsi:nil="true"/>
+    <LocLastLocAttemptVersionTypeLookup xmlns="4873beb7-5857-4685-be1f-d57550cc96cc" xsi:nil="true"/>
+    <DirectSourceMarket xmlns="4873beb7-5857-4685-be1f-d57550cc96cc" xsi:nil="true"/>
+    <ThumbnailAssetId xmlns="4873beb7-5857-4685-be1f-d57550cc96cc" xsi:nil="true"/>
+    <PrimaryImageGen xmlns="4873beb7-5857-4685-be1f-d57550cc96cc">false</PrimaryImageGen>
+    <LocNewPublishedVersionLookup xmlns="4873beb7-5857-4685-be1f-d57550cc96cc" xsi:nil="true"/>
+    <LegacyData xmlns="4873beb7-5857-4685-be1f-d57550cc96cc" xsi:nil="true"/>
+    <LocRecommendedHandoff xmlns="4873beb7-5857-4685-be1f-d57550cc96cc" xsi:nil="true"/>
+    <BusinessGroup xmlns="4873beb7-5857-4685-be1f-d57550cc96cc" xsi:nil="true"/>
+    <BlockPublish xmlns="4873beb7-5857-4685-be1f-d57550cc96cc">false</BlockPublish>
+    <TPFriendlyName xmlns="4873beb7-5857-4685-be1f-d57550cc96cc" xsi:nil="true"/>
+    <LocOverallPublishStatusLookup xmlns="4873beb7-5857-4685-be1f-d57550cc96cc" xsi:nil="true"/>
+    <NumericId xmlns="4873beb7-5857-4685-be1f-d57550cc96cc" xsi:nil="true"/>
+    <APEditor xmlns="4873beb7-5857-4685-be1f-d57550cc96cc">
+      <UserInfo>
+        <DisplayName/>
+        <AccountId xsi:nil="true"/>
+        <AccountType/>
+      </UserInfo>
+    </APEditor>
+    <SourceTitle xmlns="4873beb7-5857-4685-be1f-d57550cc96cc" xsi:nil="true"/>
+    <OpenTemplate xmlns="4873beb7-5857-4685-be1f-d57550cc96cc">true</OpenTemplate>
+    <LocOverallLocStatusLookup xmlns="4873beb7-5857-4685-be1f-d57550cc96cc" xsi:nil="true"/>
+    <UALocComments xmlns="4873beb7-5857-4685-be1f-d57550cc96cc" xsi:nil="true"/>
+    <ParentAssetId xmlns="4873beb7-5857-4685-be1f-d57550cc96cc" xsi:nil="true"/>
+    <IntlLangReviewDate xmlns="4873beb7-5857-4685-be1f-d57550cc96cc" xsi:nil="true"/>
+    <FeatureTagsTaxHTField0 xmlns="4873beb7-5857-4685-be1f-d57550cc96cc">
+      <Terms xmlns="http://schemas.microsoft.com/office/infopath/2007/PartnerControls"/>
+    </FeatureTagsTaxHTField0>
+    <PublishStatusLookup xmlns="4873beb7-5857-4685-be1f-d57550cc96cc">
+      <Value>1345093</Value>
+    </PublishStatusLookup>
+    <Providers xmlns="4873beb7-5857-4685-be1f-d57550cc96cc" xsi:nil="true"/>
+    <MachineTranslated xmlns="4873beb7-5857-4685-be1f-d57550cc96cc">false</MachineTranslated>
+    <OriginalSourceMarket xmlns="4873beb7-5857-4685-be1f-d57550cc96cc" xsi:nil="true"/>
+    <APDescription xmlns="4873beb7-5857-4685-be1f-d57550cc96cc">This simple template design works for technology and  businesses, but it's versatile enough to use in other contexts.  It features multiple slide layouts designed for widescreen (16x9 resolution) and includes a sample SmartArt list and chart that are easily editable.</APDescription>
+    <ClipArtFilename xmlns="4873beb7-5857-4685-be1f-d57550cc96cc" xsi:nil="true"/>
+    <ContentItem xmlns="4873beb7-5857-4685-be1f-d57550cc96cc" xsi:nil="true"/>
+    <TPInstallLocation xmlns="4873beb7-5857-4685-be1f-d57550cc96cc" xsi:nil="true"/>
+    <PublishTargets xmlns="4873beb7-5857-4685-be1f-d57550cc96cc">OfficeOnlineVNext</PublishTargets>
+    <TimesCloned xmlns="4873beb7-5857-4685-be1f-d57550cc96cc" xsi:nil="true"/>
+    <AssetStart xmlns="4873beb7-5857-4685-be1f-d57550cc96cc">2011-11-26T00:30:00+00:00</AssetStart>
+    <Provider xmlns="4873beb7-5857-4685-be1f-d57550cc96cc" xsi:nil="true"/>
+    <AcquiredFrom xmlns="4873beb7-5857-4685-be1f-d57550cc96cc">Internal MS</AcquiredFrom>
+    <FriendlyTitle xmlns="4873beb7-5857-4685-be1f-d57550cc96cc" xsi:nil="true"/>
+    <LastHandOff xmlns="4873beb7-5857-4685-be1f-d57550cc96cc" xsi:nil="true"/>
+    <TPClientViewer xmlns="4873beb7-5857-4685-be1f-d57550cc96cc" xsi:nil="true"/>
+    <TemplateStatus xmlns="4873beb7-5857-4685-be1f-d57550cc96cc">Complete</TemplateStatus>
+    <Downloads xmlns="4873beb7-5857-4685-be1f-d57550cc96cc">0</Downloads>
+    <OOCacheId xmlns="4873beb7-5857-4685-be1f-d57550cc96cc" xsi:nil="true"/>
+    <IsDeleted xmlns="4873beb7-5857-4685-be1f-d57550cc96cc">false</IsDeleted>
+    <LocPublishedDependentAssetsLookup xmlns="4873beb7-5857-4685-be1f-d57550cc96cc" xsi:nil="true"/>
+    <TPExecutable xmlns="4873beb7-5857-4685-be1f-d57550cc96cc" xsi:nil="true"/>
+    <EditorialTags xmlns="4873beb7-5857-4685-be1f-d57550cc96cc" xsi:nil="true"/>
+    <SubmitterId xmlns="4873beb7-5857-4685-be1f-d57550cc96cc" xsi:nil="true"/>
+    <ApprovalLog xmlns="4873beb7-5857-4685-be1f-d57550cc96cc" xsi:nil="true"/>
+    <AssetType xmlns="4873beb7-5857-4685-be1f-d57550cc96cc">TP</AssetType>
+    <BugNumber xmlns="4873beb7-5857-4685-be1f-d57550cc96cc" xsi:nil="true"/>
+    <CSXSubmissionDate xmlns="4873beb7-5857-4685-be1f-d57550cc96cc" xsi:nil="true"/>
+    <CSXUpdate xmlns="4873beb7-5857-4685-be1f-d57550cc96cc">false</CSXUpdate>
+    <Milestone xmlns="4873beb7-5857-4685-be1f-d57550cc96cc" xsi:nil="true"/>
+    <RecommendationsModifier xmlns="4873beb7-5857-4685-be1f-d57550cc96cc" xsi:nil="true"/>
+    <OriginAsset xmlns="4873beb7-5857-4685-be1f-d57550cc96cc" xsi:nil="true"/>
+    <TPComponent xmlns="4873beb7-5857-4685-be1f-d57550cc96cc" xsi:nil="true"/>
+    <AssetId xmlns="4873beb7-5857-4685-be1f-d57550cc96cc">TP102787989</AssetId>
+    <IntlLocPriority xmlns="4873beb7-5857-4685-be1f-d57550cc96cc" xsi:nil="true"/>
+    <PolicheckWords xmlns="4873beb7-5857-4685-be1f-d57550cc96cc" xsi:nil="true"/>
+    <TPLaunchHelpLink xmlns="4873beb7-5857-4685-be1f-d57550cc96cc" xsi:nil="true"/>
+    <TPApplication xmlns="4873beb7-5857-4685-be1f-d57550cc96cc" xsi:nil="true"/>
+    <CrawlForDependencies xmlns="4873beb7-5857-4685-be1f-d57550cc96cc">false</CrawlForDependencies>
+    <HandoffToMSDN xmlns="4873beb7-5857-4685-be1f-d57550cc96cc" xsi:nil="true"/>
+    <PlannedPubDate xmlns="4873beb7-5857-4685-be1f-d57550cc96cc" xsi:nil="true"/>
+    <IntlLangReviewer xmlns="4873beb7-5857-4685-be1f-d57550cc96cc" xsi:nil="true"/>
+    <TrustLevel xmlns="4873beb7-5857-4685-be1f-d57550cc96cc">1 Microsoft Managed Content</TrustLevel>
+    <LocLastLocAttemptVersionLookup xmlns="4873beb7-5857-4685-be1f-d57550cc96cc">694266</LocLastLocAttemptVersionLookup>
+    <LocProcessedForHandoffsLookup xmlns="4873beb7-5857-4685-be1f-d57550cc96cc" xsi:nil="true"/>
+    <IsSearchable xmlns="4873beb7-5857-4685-be1f-d57550cc96cc">true</IsSearchable>
+    <TemplateTemplateType xmlns="4873beb7-5857-4685-be1f-d57550cc96cc">PowerPoint Presentation Template</TemplateTemplateType>
+    <CampaignTagsTaxHTField0 xmlns="4873beb7-5857-4685-be1f-d57550cc96cc">
+      <Terms xmlns="http://schemas.microsoft.com/office/infopath/2007/PartnerControls"/>
+    </CampaignTagsTaxHTField0>
+    <TPNamespace xmlns="4873beb7-5857-4685-be1f-d57550cc96cc" xsi:nil="true"/>
+    <LocOverallPreviewStatusLookup xmlns="4873beb7-5857-4685-be1f-d57550cc96cc" xsi:nil="true"/>
+    <TaxCatchAll xmlns="4873beb7-5857-4685-be1f-d57550cc96cc"/>
+    <Markets xmlns="4873beb7-5857-4685-be1f-d57550cc96cc"/>
+    <UAProjectedTotalWords xmlns="4873beb7-5857-4685-be1f-d57550cc96cc" xsi:nil="true"/>
+    <IntlLangReview xmlns="4873beb7-5857-4685-be1f-d57550cc96cc" xsi:nil="true"/>
+    <OutputCachingOn xmlns="4873beb7-5857-4685-be1f-d57550cc96cc">false</OutputCachingOn>
+    <AverageRating xmlns="4873beb7-5857-4685-be1f-d57550cc96cc" xsi:nil="true"/>
+    <APAuthor xmlns="4873beb7-5857-4685-be1f-d57550cc96cc">
+      <UserInfo>
+        <DisplayName>REDMOND\kristaa</DisplayName>
+        <AccountId>136</AccountId>
+        <AccountType/>
+      </UserInfo>
+    </APAuthor>
+    <LocManualTestRequired xmlns="4873beb7-5857-4685-be1f-d57550cc96cc">false</LocManualTestRequired>
+    <TPCommandLine xmlns="4873beb7-5857-4685-be1f-d57550cc96cc" xsi:nil="true"/>
+    <TPAppVersion xmlns="4873beb7-5857-4685-be1f-d57550cc96cc" xsi:nil="true"/>
+    <EditorialStatus xmlns="4873beb7-5857-4685-be1f-d57550cc96cc">Complete</EditorialStatus>
+    <LastModifiedDateTime xmlns="4873beb7-5857-4685-be1f-d57550cc96cc" xsi:nil="true"/>
+    <ScenarioTagsTaxHTField0 xmlns="4873beb7-5857-4685-be1f-d57550cc96cc">
+      <Terms xmlns="http://schemas.microsoft.com/office/infopath/2007/PartnerControls"/>
+    </ScenarioTagsTaxHTField0>
+    <LocProcessedForMarketsLookup xmlns="4873beb7-5857-4685-be1f-d57550cc96cc" xsi:nil="true"/>
+    <TPLaunchHelpLinkType xmlns="4873beb7-5857-4685-be1f-d57550cc96cc">Template</TPLaunchHelpLinkType>
+    <OriginalRelease xmlns="4873beb7-5857-4685-be1f-d57550cc96cc">15</OriginalRelease>
+    <LocalizationTagsTaxHTField0 xmlns="4873beb7-5857-4685-be1f-d57550cc96cc">
+      <Terms xmlns="http://schemas.microsoft.com/office/infopath/2007/PartnerControls"/>
+    </LocalizationTagsTaxHTField0>
+    <UACurrentWords xmlns="4873beb7-5857-4685-be1f-d57550cc96cc" xsi:nil="true"/>
+    <ArtSampleDocs xmlns="4873beb7-5857-4685-be1f-d57550cc96cc" xsi:nil="true"/>
+    <UALocRecommendation xmlns="4873beb7-5857-4685-be1f-d57550cc96cc">Localize</UALocRecommendation>
+    <Manager xmlns="4873beb7-5857-4685-be1f-d57550cc96cc" xsi:nil="true"/>
+    <LocOverallHandbackStatusLookup xmlns="4873beb7-5857-4685-be1f-d57550cc96cc" xsi:nil="true"/>
+    <ShowIn xmlns="4873beb7-5857-4685-be1f-d57550cc96cc">Show everywhere</ShowIn>
+    <UANotes xmlns="4873beb7-5857-4685-be1f-d57550cc96cc" xsi:nil="true"/>
+    <InternalTagsTaxHTField0 xmlns="4873beb7-5857-4685-be1f-d57550cc96cc">
+      <Terms xmlns="http://schemas.microsoft.com/office/infopath/2007/PartnerControls"/>
+    </InternalTagsTaxHTField0>
+    <CSXHash xmlns="4873beb7-5857-4685-be1f-d57550cc96cc" xsi:nil="true"/>
+    <VoteCount xmlns="4873beb7-5857-4685-be1f-d57550cc96cc" xsi:nil="true"/>
+    <AssetExpire xmlns="4873beb7-5857-4685-be1f-d57550cc96cc">2029-05-12T07:00:00+00:00</AssetExpire>
+    <DSATActionTaken xmlns="4873beb7-5857-4685-be1f-d57550cc96cc" xsi:nil="true"/>
+    <CSXSubmissionMarket xmlns="4873beb7-5857-4685-be1f-d57550cc96cc" xsi:nil="true"/>
+    <LocMarketGroupTiers2 xmlns="4873beb7-5857-4685-be1f-d57550cc96cc" xsi:nil="true"/>
+  </documentManagement>
+</p:properties>
 </file>
 
 <file path=customXml/item2.xml><?xml version="1.0" encoding="utf-8"?>
@@ -19372,145 +19373,26 @@
 </file>
 
 <file path=customXml/item3.xml><?xml version="1.0" encoding="utf-8"?>
-<p:properties xmlns:p="http://schemas.microsoft.com/office/2006/metadata/properties" xmlns:xsi="http://www.w3.org/2001/XMLSchema-instance" xmlns:pc="http://schemas.microsoft.com/office/infopath/2007/PartnerControls">
-  <documentManagement>
-    <LocPublishedLinkedAssetsLookup xmlns="4873beb7-5857-4685-be1f-d57550cc96cc" xsi:nil="true"/>
-    <ApprovalStatus xmlns="4873beb7-5857-4685-be1f-d57550cc96cc">InProgress</ApprovalStatus>
-    <MarketSpecific xmlns="4873beb7-5857-4685-be1f-d57550cc96cc">false</MarketSpecific>
-    <LocComments xmlns="4873beb7-5857-4685-be1f-d57550cc96cc" xsi:nil="true"/>
-    <LocLastLocAttemptVersionTypeLookup xmlns="4873beb7-5857-4685-be1f-d57550cc96cc" xsi:nil="true"/>
-    <DirectSourceMarket xmlns="4873beb7-5857-4685-be1f-d57550cc96cc" xsi:nil="true"/>
-    <ThumbnailAssetId xmlns="4873beb7-5857-4685-be1f-d57550cc96cc" xsi:nil="true"/>
-    <PrimaryImageGen xmlns="4873beb7-5857-4685-be1f-d57550cc96cc">false</PrimaryImageGen>
-    <LocNewPublishedVersionLookup xmlns="4873beb7-5857-4685-be1f-d57550cc96cc" xsi:nil="true"/>
-    <LegacyData xmlns="4873beb7-5857-4685-be1f-d57550cc96cc" xsi:nil="true"/>
-    <LocRecommendedHandoff xmlns="4873beb7-5857-4685-be1f-d57550cc96cc" xsi:nil="true"/>
-    <BusinessGroup xmlns="4873beb7-5857-4685-be1f-d57550cc96cc" xsi:nil="true"/>
-    <BlockPublish xmlns="4873beb7-5857-4685-be1f-d57550cc96cc">false</BlockPublish>
-    <TPFriendlyName xmlns="4873beb7-5857-4685-be1f-d57550cc96cc" xsi:nil="true"/>
-    <LocOverallPublishStatusLookup xmlns="4873beb7-5857-4685-be1f-d57550cc96cc" xsi:nil="true"/>
-    <NumericId xmlns="4873beb7-5857-4685-be1f-d57550cc96cc" xsi:nil="true"/>
-    <APEditor xmlns="4873beb7-5857-4685-be1f-d57550cc96cc">
-      <UserInfo>
-        <DisplayName/>
-        <AccountId xsi:nil="true"/>
-        <AccountType/>
-      </UserInfo>
-    </APEditor>
-    <SourceTitle xmlns="4873beb7-5857-4685-be1f-d57550cc96cc" xsi:nil="true"/>
-    <OpenTemplate xmlns="4873beb7-5857-4685-be1f-d57550cc96cc">true</OpenTemplate>
-    <LocOverallLocStatusLookup xmlns="4873beb7-5857-4685-be1f-d57550cc96cc" xsi:nil="true"/>
-    <UALocComments xmlns="4873beb7-5857-4685-be1f-d57550cc96cc" xsi:nil="true"/>
-    <ParentAssetId xmlns="4873beb7-5857-4685-be1f-d57550cc96cc" xsi:nil="true"/>
-    <IntlLangReviewDate xmlns="4873beb7-5857-4685-be1f-d57550cc96cc" xsi:nil="true"/>
-    <FeatureTagsTaxHTField0 xmlns="4873beb7-5857-4685-be1f-d57550cc96cc">
-      <Terms xmlns="http://schemas.microsoft.com/office/infopath/2007/PartnerControls"/>
-    </FeatureTagsTaxHTField0>
-    <PublishStatusLookup xmlns="4873beb7-5857-4685-be1f-d57550cc96cc">
-      <Value>1345093</Value>
-    </PublishStatusLookup>
-    <Providers xmlns="4873beb7-5857-4685-be1f-d57550cc96cc" xsi:nil="true"/>
-    <MachineTranslated xmlns="4873beb7-5857-4685-be1f-d57550cc96cc">false</MachineTranslated>
-    <OriginalSourceMarket xmlns="4873beb7-5857-4685-be1f-d57550cc96cc" xsi:nil="true"/>
-    <APDescription xmlns="4873beb7-5857-4685-be1f-d57550cc96cc">This simple template design works for technology and  businesses, but it's versatile enough to use in other contexts.  It features multiple slide layouts designed for widescreen (16x9 resolution) and includes a sample SmartArt list and chart that are easily editable.</APDescription>
-    <ClipArtFilename xmlns="4873beb7-5857-4685-be1f-d57550cc96cc" xsi:nil="true"/>
-    <ContentItem xmlns="4873beb7-5857-4685-be1f-d57550cc96cc" xsi:nil="true"/>
-    <TPInstallLocation xmlns="4873beb7-5857-4685-be1f-d57550cc96cc" xsi:nil="true"/>
-    <PublishTargets xmlns="4873beb7-5857-4685-be1f-d57550cc96cc">OfficeOnlineVNext</PublishTargets>
-    <TimesCloned xmlns="4873beb7-5857-4685-be1f-d57550cc96cc" xsi:nil="true"/>
-    <AssetStart xmlns="4873beb7-5857-4685-be1f-d57550cc96cc">2011-11-26T00:30:00+00:00</AssetStart>
-    <Provider xmlns="4873beb7-5857-4685-be1f-d57550cc96cc" xsi:nil="true"/>
-    <AcquiredFrom xmlns="4873beb7-5857-4685-be1f-d57550cc96cc">Internal MS</AcquiredFrom>
-    <FriendlyTitle xmlns="4873beb7-5857-4685-be1f-d57550cc96cc" xsi:nil="true"/>
-    <LastHandOff xmlns="4873beb7-5857-4685-be1f-d57550cc96cc" xsi:nil="true"/>
-    <TPClientViewer xmlns="4873beb7-5857-4685-be1f-d57550cc96cc" xsi:nil="true"/>
-    <TemplateStatus xmlns="4873beb7-5857-4685-be1f-d57550cc96cc">Complete</TemplateStatus>
-    <Downloads xmlns="4873beb7-5857-4685-be1f-d57550cc96cc">0</Downloads>
-    <OOCacheId xmlns="4873beb7-5857-4685-be1f-d57550cc96cc" xsi:nil="true"/>
-    <IsDeleted xmlns="4873beb7-5857-4685-be1f-d57550cc96cc">false</IsDeleted>
-    <LocPublishedDependentAssetsLookup xmlns="4873beb7-5857-4685-be1f-d57550cc96cc" xsi:nil="true"/>
-    <TPExecutable xmlns="4873beb7-5857-4685-be1f-d57550cc96cc" xsi:nil="true"/>
-    <EditorialTags xmlns="4873beb7-5857-4685-be1f-d57550cc96cc" xsi:nil="true"/>
-    <SubmitterId xmlns="4873beb7-5857-4685-be1f-d57550cc96cc" xsi:nil="true"/>
-    <ApprovalLog xmlns="4873beb7-5857-4685-be1f-d57550cc96cc" xsi:nil="true"/>
-    <AssetType xmlns="4873beb7-5857-4685-be1f-d57550cc96cc">TP</AssetType>
-    <BugNumber xmlns="4873beb7-5857-4685-be1f-d57550cc96cc" xsi:nil="true"/>
-    <CSXSubmissionDate xmlns="4873beb7-5857-4685-be1f-d57550cc96cc" xsi:nil="true"/>
-    <CSXUpdate xmlns="4873beb7-5857-4685-be1f-d57550cc96cc">false</CSXUpdate>
-    <Milestone xmlns="4873beb7-5857-4685-be1f-d57550cc96cc" xsi:nil="true"/>
-    <RecommendationsModifier xmlns="4873beb7-5857-4685-be1f-d57550cc96cc" xsi:nil="true"/>
-    <OriginAsset xmlns="4873beb7-5857-4685-be1f-d57550cc96cc" xsi:nil="true"/>
-    <TPComponent xmlns="4873beb7-5857-4685-be1f-d57550cc96cc" xsi:nil="true"/>
-    <AssetId xmlns="4873beb7-5857-4685-be1f-d57550cc96cc">TP102787989</AssetId>
-    <IntlLocPriority xmlns="4873beb7-5857-4685-be1f-d57550cc96cc" xsi:nil="true"/>
-    <PolicheckWords xmlns="4873beb7-5857-4685-be1f-d57550cc96cc" xsi:nil="true"/>
-    <TPLaunchHelpLink xmlns="4873beb7-5857-4685-be1f-d57550cc96cc" xsi:nil="true"/>
-    <TPApplication xmlns="4873beb7-5857-4685-be1f-d57550cc96cc" xsi:nil="true"/>
-    <CrawlForDependencies xmlns="4873beb7-5857-4685-be1f-d57550cc96cc">false</CrawlForDependencies>
-    <HandoffToMSDN xmlns="4873beb7-5857-4685-be1f-d57550cc96cc" xsi:nil="true"/>
-    <PlannedPubDate xmlns="4873beb7-5857-4685-be1f-d57550cc96cc" xsi:nil="true"/>
-    <IntlLangReviewer xmlns="4873beb7-5857-4685-be1f-d57550cc96cc" xsi:nil="true"/>
-    <TrustLevel xmlns="4873beb7-5857-4685-be1f-d57550cc96cc">1 Microsoft Managed Content</TrustLevel>
-    <LocLastLocAttemptVersionLookup xmlns="4873beb7-5857-4685-be1f-d57550cc96cc">694266</LocLastLocAttemptVersionLookup>
-    <LocProcessedForHandoffsLookup xmlns="4873beb7-5857-4685-be1f-d57550cc96cc" xsi:nil="true"/>
-    <IsSearchable xmlns="4873beb7-5857-4685-be1f-d57550cc96cc">true</IsSearchable>
-    <TemplateTemplateType xmlns="4873beb7-5857-4685-be1f-d57550cc96cc">PowerPoint Presentation Template</TemplateTemplateType>
-    <CampaignTagsTaxHTField0 xmlns="4873beb7-5857-4685-be1f-d57550cc96cc">
-      <Terms xmlns="http://schemas.microsoft.com/office/infopath/2007/PartnerControls"/>
-    </CampaignTagsTaxHTField0>
-    <TPNamespace xmlns="4873beb7-5857-4685-be1f-d57550cc96cc" xsi:nil="true"/>
-    <LocOverallPreviewStatusLookup xmlns="4873beb7-5857-4685-be1f-d57550cc96cc" xsi:nil="true"/>
-    <TaxCatchAll xmlns="4873beb7-5857-4685-be1f-d57550cc96cc"/>
-    <Markets xmlns="4873beb7-5857-4685-be1f-d57550cc96cc"/>
-    <UAProjectedTotalWords xmlns="4873beb7-5857-4685-be1f-d57550cc96cc" xsi:nil="true"/>
-    <IntlLangReview xmlns="4873beb7-5857-4685-be1f-d57550cc96cc" xsi:nil="true"/>
-    <OutputCachingOn xmlns="4873beb7-5857-4685-be1f-d57550cc96cc">false</OutputCachingOn>
-    <AverageRating xmlns="4873beb7-5857-4685-be1f-d57550cc96cc" xsi:nil="true"/>
-    <APAuthor xmlns="4873beb7-5857-4685-be1f-d57550cc96cc">
-      <UserInfo>
-        <DisplayName>REDMOND\kristaa</DisplayName>
-        <AccountId>136</AccountId>
-        <AccountType/>
-      </UserInfo>
-    </APAuthor>
-    <LocManualTestRequired xmlns="4873beb7-5857-4685-be1f-d57550cc96cc">false</LocManualTestRequired>
-    <TPCommandLine xmlns="4873beb7-5857-4685-be1f-d57550cc96cc" xsi:nil="true"/>
-    <TPAppVersion xmlns="4873beb7-5857-4685-be1f-d57550cc96cc" xsi:nil="true"/>
-    <EditorialStatus xmlns="4873beb7-5857-4685-be1f-d57550cc96cc">Complete</EditorialStatus>
-    <LastModifiedDateTime xmlns="4873beb7-5857-4685-be1f-d57550cc96cc" xsi:nil="true"/>
-    <ScenarioTagsTaxHTField0 xmlns="4873beb7-5857-4685-be1f-d57550cc96cc">
-      <Terms xmlns="http://schemas.microsoft.com/office/infopath/2007/PartnerControls"/>
-    </ScenarioTagsTaxHTField0>
-    <LocProcessedForMarketsLookup xmlns="4873beb7-5857-4685-be1f-d57550cc96cc" xsi:nil="true"/>
-    <TPLaunchHelpLinkType xmlns="4873beb7-5857-4685-be1f-d57550cc96cc">Template</TPLaunchHelpLinkType>
-    <OriginalRelease xmlns="4873beb7-5857-4685-be1f-d57550cc96cc">15</OriginalRelease>
-    <LocalizationTagsTaxHTField0 xmlns="4873beb7-5857-4685-be1f-d57550cc96cc">
-      <Terms xmlns="http://schemas.microsoft.com/office/infopath/2007/PartnerControls"/>
-    </LocalizationTagsTaxHTField0>
-    <UACurrentWords xmlns="4873beb7-5857-4685-be1f-d57550cc96cc" xsi:nil="true"/>
-    <ArtSampleDocs xmlns="4873beb7-5857-4685-be1f-d57550cc96cc" xsi:nil="true"/>
-    <UALocRecommendation xmlns="4873beb7-5857-4685-be1f-d57550cc96cc">Localize</UALocRecommendation>
-    <Manager xmlns="4873beb7-5857-4685-be1f-d57550cc96cc" xsi:nil="true"/>
-    <LocOverallHandbackStatusLookup xmlns="4873beb7-5857-4685-be1f-d57550cc96cc" xsi:nil="true"/>
-    <ShowIn xmlns="4873beb7-5857-4685-be1f-d57550cc96cc">Show everywhere</ShowIn>
-    <UANotes xmlns="4873beb7-5857-4685-be1f-d57550cc96cc" xsi:nil="true"/>
-    <InternalTagsTaxHTField0 xmlns="4873beb7-5857-4685-be1f-d57550cc96cc">
-      <Terms xmlns="http://schemas.microsoft.com/office/infopath/2007/PartnerControls"/>
-    </InternalTagsTaxHTField0>
-    <CSXHash xmlns="4873beb7-5857-4685-be1f-d57550cc96cc" xsi:nil="true"/>
-    <VoteCount xmlns="4873beb7-5857-4685-be1f-d57550cc96cc" xsi:nil="true"/>
-    <AssetExpire xmlns="4873beb7-5857-4685-be1f-d57550cc96cc">2029-05-12T07:00:00+00:00</AssetExpire>
-    <DSATActionTaken xmlns="4873beb7-5857-4685-be1f-d57550cc96cc" xsi:nil="true"/>
-    <CSXSubmissionMarket xmlns="4873beb7-5857-4685-be1f-d57550cc96cc" xsi:nil="true"/>
-    <LocMarketGroupTiers2 xmlns="4873beb7-5857-4685-be1f-d57550cc96cc" xsi:nil="true"/>
-  </documentManagement>
-</p:properties>
+<?mso-contentType ?>
+<FormTemplates xmlns="http://schemas.microsoft.com/sharepoint/v3/contenttype/forms">
+  <Display>DocumentLibraryForm</Display>
+  <Edit>AssetEditForm</Edit>
+  <New>DocumentLibraryForm</New>
+</FormTemplates>
 </file>
 
 <file path=customXml/itemProps1.xml><?xml version="1.0" encoding="utf-8"?>
-<ds:datastoreItem xmlns:ds="http://schemas.openxmlformats.org/officeDocument/2006/customXml" ds:itemID="{3836F65B-1B07-41EE-A0E8-BC6EF3855225}">
+<ds:datastoreItem xmlns:ds="http://schemas.openxmlformats.org/officeDocument/2006/customXml" ds:itemID="{60C67BEE-D13F-4BD2-98A5-34D8A0977F68}">
   <ds:schemaRefs>
-    <ds:schemaRef ds:uri="http://schemas.microsoft.com/sharepoint/v3/contenttype/forms"/>
+    <ds:schemaRef ds:uri="4873beb7-5857-4685-be1f-d57550cc96cc"/>
+    <ds:schemaRef ds:uri="http://schemas.openxmlformats.org/package/2006/metadata/core-properties"/>
+    <ds:schemaRef ds:uri="http://purl.org/dc/terms/"/>
+    <ds:schemaRef ds:uri="http://schemas.microsoft.com/office/2006/documentManagement/types"/>
+    <ds:schemaRef ds:uri="http://purl.org/dc/elements/1.1/"/>
+    <ds:schemaRef ds:uri="http://schemas.microsoft.com/office/2006/metadata/properties"/>
+    <ds:schemaRef ds:uri="http://schemas.microsoft.com/office/infopath/2007/PartnerControls"/>
+    <ds:schemaRef ds:uri="http://www.w3.org/XML/1998/namespace"/>
+    <ds:schemaRef ds:uri="http://purl.org/dc/dcmitype/"/>
   </ds:schemaRefs>
 </ds:datastoreItem>
 </file>
@@ -19534,17 +19416,9 @@
 </file>
 
 <file path=customXml/itemProps3.xml><?xml version="1.0" encoding="utf-8"?>
-<ds:datastoreItem xmlns:ds="http://schemas.openxmlformats.org/officeDocument/2006/customXml" ds:itemID="{60C67BEE-D13F-4BD2-98A5-34D8A0977F68}">
+<ds:datastoreItem xmlns:ds="http://schemas.openxmlformats.org/officeDocument/2006/customXml" ds:itemID="{3836F65B-1B07-41EE-A0E8-BC6EF3855225}">
   <ds:schemaRefs>
-    <ds:schemaRef ds:uri="4873beb7-5857-4685-be1f-d57550cc96cc"/>
-    <ds:schemaRef ds:uri="http://schemas.openxmlformats.org/package/2006/metadata/core-properties"/>
-    <ds:schemaRef ds:uri="http://purl.org/dc/terms/"/>
-    <ds:schemaRef ds:uri="http://schemas.microsoft.com/office/2006/documentManagement/types"/>
-    <ds:schemaRef ds:uri="http://purl.org/dc/elements/1.1/"/>
-    <ds:schemaRef ds:uri="http://schemas.microsoft.com/office/2006/metadata/properties"/>
-    <ds:schemaRef ds:uri="http://schemas.microsoft.com/office/infopath/2007/PartnerControls"/>
-    <ds:schemaRef ds:uri="http://www.w3.org/XML/1998/namespace"/>
-    <ds:schemaRef ds:uri="http://purl.org/dc/dcmitype/"/>
+    <ds:schemaRef ds:uri="http://schemas.microsoft.com/sharepoint/v3/contenttype/forms"/>
   </ds:schemaRefs>
 </ds:datastoreItem>
 </file>